--- a/predavanja/prezentacije/2020-21/04 - 04 - Slojevi kod TCP-IP - transport.pptx
+++ b/predavanja/prezentacije/2020-21/04 - 04 - Slojevi kod TCP-IP - transport.pptx
@@ -161,7 +161,7 @@
   </p:defaultTextStyle>
   <p:extLst>
     <p:ext uri="{EFAFB233-063F-42B5-8137-9DF3F51BA10A}">
-      <p15:sldGuideLst xmlns:p15="http://schemas.microsoft.com/office/powerpoint/2012/main" xmlns="">
+      <p15:sldGuideLst xmlns="" xmlns:p15="http://schemas.microsoft.com/office/powerpoint/2012/main">
         <p15:guide id="1" orient="horz" pos="2160">
           <p15:clr>
             <a:srgbClr val="A4A3A4"/>
@@ -175,7 +175,7 @@
       </p15:sldGuideLst>
     </p:ext>
     <p:ext uri="{2D200454-40CA-4A62-9FC3-DE9A4176ACB9}">
-      <p15:notesGuideLst xmlns:p15="http://schemas.microsoft.com/office/powerpoint/2012/main" xmlns="">
+      <p15:notesGuideLst xmlns="" xmlns:p15="http://schemas.microsoft.com/office/powerpoint/2012/main">
         <p15:guide id="1" orient="horz" pos="2880">
           <p15:clr>
             <a:srgbClr val="A4A3A4"/>

--- a/predavanja/prezentacije/2020-21/04 - 04 - Slojevi kod TCP-IP - transport.pptx
+++ b/predavanja/prezentacije/2020-21/04 - 04 - Slojevi kod TCP-IP - transport.pptx
@@ -161,7 +161,7 @@
   </p:defaultTextStyle>
   <p:extLst>
     <p:ext uri="{EFAFB233-063F-42B5-8137-9DF3F51BA10A}">
-      <p15:sldGuideLst xmlns="" xmlns:p15="http://schemas.microsoft.com/office/powerpoint/2012/main">
+      <p15:sldGuideLst xmlns:p15="http://schemas.microsoft.com/office/powerpoint/2012/main">
         <p15:guide id="1" orient="horz" pos="2160">
           <p15:clr>
             <a:srgbClr val="A4A3A4"/>
@@ -175,7 +175,7 @@
       </p15:sldGuideLst>
     </p:ext>
     <p:ext uri="{2D200454-40CA-4A62-9FC3-DE9A4176ACB9}">
-      <p15:notesGuideLst xmlns="" xmlns:p15="http://schemas.microsoft.com/office/powerpoint/2012/main">
+      <p15:notesGuideLst xmlns:p15="http://schemas.microsoft.com/office/powerpoint/2012/main">
         <p15:guide id="1" orient="horz" pos="2880">
           <p15:clr>
             <a:srgbClr val="A4A3A4"/>
@@ -274,7 +274,7 @@
           <a:p>
             <a:fld id="{F07B70C6-757F-4600-A347-5E68BBCA3609}" type="datetimeFigureOut">
               <a:rPr lang="en-US" smtClean="0"/>
-              <a:t>2/27/2021</a:t>
+              <a:t>05-Mar-21</a:t>
             </a:fld>
             <a:endParaRPr lang="en-US"/>
           </a:p>
@@ -439,7 +439,7 @@
           <a:p>
             <a:fld id="{6B3683FA-0560-4266-A2CA-8A7D404C35FD}" type="datetimeFigureOut">
               <a:rPr lang="en-US" smtClean="0"/>
-              <a:t>2/27/2021</a:t>
+              <a:t>05-Mar-21</a:t>
             </a:fld>
             <a:endParaRPr lang="en-US"/>
           </a:p>
@@ -7921,58 +7921,1981 @@
           </a:p>
         </p:txBody>
       </p:sp>
-      <p:pic>
-        <p:nvPicPr>
-          <p:cNvPr id="4" name="Picture 2"/>
-          <p:cNvPicPr>
-            <a:picLocks noChangeAspect="1" noChangeArrowheads="1"/>
-          </p:cNvPicPr>
-          <p:nvPr/>
-        </p:nvPicPr>
-        <p:blipFill rotWithShape="1">
-          <a:blip r:embed="rId3">
-            <a:extLst>
-              <a:ext uri="{28A0092B-C50C-407E-A947-70E740481C1C}">
-                <a14:useLocalDpi xmlns:a14="http://schemas.microsoft.com/office/drawing/2010/main" val="0"/>
-              </a:ext>
-            </a:extLst>
-          </a:blip>
-          <a:srcRect r="1276"/>
-          <a:stretch/>
-        </p:blipFill>
-        <p:spPr bwMode="auto">
-          <a:xfrm>
-            <a:off x="1275106" y="1306270"/>
-            <a:ext cx="7041310" cy="5542203"/>
-          </a:xfrm>
-          <a:prstGeom prst="rect">
-            <a:avLst/>
-          </a:prstGeom>
-          <a:noFill/>
-          <a:ln>
-            <a:noFill/>
-          </a:ln>
-          <a:extLst>
-            <a:ext uri="{909E8E84-426E-40DD-AFC4-6F175D3DCCD1}">
-              <a14:hiddenFill xmlns:a14="http://schemas.microsoft.com/office/drawing/2010/main">
-                <a:solidFill>
-                  <a:schemeClr val="accent1"/>
-                </a:solidFill>
-              </a14:hiddenFill>
-            </a:ext>
-            <a:ext uri="{91240B29-F687-4F45-9708-019B960494DF}">
-              <a14:hiddenLine xmlns:a14="http://schemas.microsoft.com/office/drawing/2010/main" w="9525">
-                <a:solidFill>
-                  <a:schemeClr val="tx1"/>
-                </a:solidFill>
-                <a:miter lim="800000"/>
-                <a:headEnd/>
-                <a:tailEnd/>
-              </a14:hiddenLine>
-            </a:ext>
-          </a:extLst>
-        </p:spPr>
-      </p:pic>
+      <p:graphicFrame>
+        <p:nvGraphicFramePr>
+          <p:cNvPr id="2" name="Table 1"/>
+          <p:cNvGraphicFramePr>
+            <a:graphicFrameLocks noGrp="1"/>
+          </p:cNvGraphicFramePr>
+          <p:nvPr>
+            <p:extLst>
+              <p:ext uri="{D42A27DB-BD31-4B8C-83A1-F6EECF244321}">
+                <p14:modId xmlns:p14="http://schemas.microsoft.com/office/powerpoint/2010/main" val="3946998219"/>
+              </p:ext>
+            </p:extLst>
+          </p:nvPr>
+        </p:nvGraphicFramePr>
+        <p:xfrm>
+          <a:off x="457200" y="1600200"/>
+          <a:ext cx="8532440" cy="5127505"/>
+        </p:xfrm>
+        <a:graphic>
+          <a:graphicData uri="http://schemas.openxmlformats.org/drawingml/2006/table">
+            <a:tbl>
+              <a:tblPr firstRow="1" bandRow="1">
+                <a:tableStyleId>{17292A2E-F333-43FB-9621-5CBBE7FDCDCB}</a:tableStyleId>
+              </a:tblPr>
+              <a:tblGrid>
+                <a:gridCol w="2382934">
+                  <a:extLst>
+                    <a:ext uri="{9D8B030D-6E8A-4147-A177-3AD203B41FA5}">
+                      <a16:colId xmlns:a16="http://schemas.microsoft.com/office/drawing/2014/main" val="3681281540"/>
+                    </a:ext>
+                  </a:extLst>
+                </a:gridCol>
+                <a:gridCol w="2536671">
+                  <a:extLst>
+                    <a:ext uri="{9D8B030D-6E8A-4147-A177-3AD203B41FA5}">
+                      <a16:colId xmlns:a16="http://schemas.microsoft.com/office/drawing/2014/main" val="3501316617"/>
+                    </a:ext>
+                  </a:extLst>
+                </a:gridCol>
+                <a:gridCol w="1479725">
+                  <a:extLst>
+                    <a:ext uri="{9D8B030D-6E8A-4147-A177-3AD203B41FA5}">
+                      <a16:colId xmlns:a16="http://schemas.microsoft.com/office/drawing/2014/main" val="4015382315"/>
+                    </a:ext>
+                  </a:extLst>
+                </a:gridCol>
+                <a:gridCol w="2133110">
+                  <a:extLst>
+                    <a:ext uri="{9D8B030D-6E8A-4147-A177-3AD203B41FA5}">
+                      <a16:colId xmlns:a16="http://schemas.microsoft.com/office/drawing/2014/main" val="1944990678"/>
+                    </a:ext>
+                  </a:extLst>
+                </a:gridCol>
+              </a:tblGrid>
+              <a:tr h="585065">
+                <a:tc>
+                  <a:txBody>
+                    <a:bodyPr/>
+                    <a:lstStyle/>
+                    <a:p>
+                      <a:pPr algn="ctr"/>
+                      <a:r>
+                        <a:rPr lang="sr-Latn-RS" dirty="0" smtClean="0"/>
+                        <a:t>OSI sloj</a:t>
+                      </a:r>
+                      <a:endParaRPr lang="en-US" dirty="0"/>
+                    </a:p>
+                  </a:txBody>
+                  <a:tcPr anchor="ctr">
+                    <a:lnB w="12700" cap="flat" cmpd="sng" algn="ctr">
+                      <a:solidFill>
+                        <a:schemeClr val="tx1"/>
+                      </a:solidFill>
+                      <a:prstDash val="solid"/>
+                      <a:round/>
+                      <a:headEnd type="none" w="med" len="med"/>
+                      <a:tailEnd type="none" w="med" len="med"/>
+                    </a:lnB>
+                  </a:tcPr>
+                </a:tc>
+                <a:tc>
+                  <a:txBody>
+                    <a:bodyPr/>
+                    <a:lstStyle/>
+                    <a:p>
+                      <a:pPr algn="ctr"/>
+                      <a:r>
+                        <a:rPr lang="sr-Latn-RS" dirty="0" smtClean="0"/>
+                        <a:t>TCP/IP sloj </a:t>
+                      </a:r>
+                      <a:endParaRPr lang="en-US" dirty="0"/>
+                    </a:p>
+                  </a:txBody>
+                  <a:tcPr anchor="ctr">
+                    <a:lnB w="12700" cap="flat" cmpd="sng" algn="ctr">
+                      <a:solidFill>
+                        <a:schemeClr val="tx1"/>
+                      </a:solidFill>
+                      <a:prstDash val="solid"/>
+                      <a:round/>
+                      <a:headEnd type="none" w="med" len="med"/>
+                      <a:tailEnd type="none" w="med" len="med"/>
+                    </a:lnB>
+                  </a:tcPr>
+                </a:tc>
+                <a:tc>
+                  <a:txBody>
+                    <a:bodyPr/>
+                    <a:lstStyle/>
+                    <a:p>
+                      <a:pPr algn="ctr"/>
+                      <a:r>
+                        <a:rPr lang="sr-Latn-RS" dirty="0" smtClean="0"/>
+                        <a:t>Jedinica</a:t>
+                      </a:r>
+                      <a:endParaRPr lang="en-US" dirty="0"/>
+                    </a:p>
+                  </a:txBody>
+                  <a:tcPr anchor="ctr">
+                    <a:lnB w="12700" cap="flat" cmpd="sng" algn="ctr">
+                      <a:solidFill>
+                        <a:schemeClr val="tx1"/>
+                      </a:solidFill>
+                      <a:prstDash val="solid"/>
+                      <a:round/>
+                      <a:headEnd type="none" w="med" len="med"/>
+                      <a:tailEnd type="none" w="med" len="med"/>
+                    </a:lnB>
+                  </a:tcPr>
+                </a:tc>
+                <a:tc>
+                  <a:txBody>
+                    <a:bodyPr/>
+                    <a:lstStyle/>
+                    <a:p>
+                      <a:pPr algn="ctr"/>
+                      <a:r>
+                        <a:rPr lang="sr-Latn-RS" dirty="0" smtClean="0"/>
+                        <a:t>Protokol</a:t>
+                      </a:r>
+                      <a:endParaRPr lang="en-US" dirty="0"/>
+                    </a:p>
+                  </a:txBody>
+                  <a:tcPr anchor="ctr">
+                    <a:lnB w="12700" cap="flat" cmpd="sng" algn="ctr">
+                      <a:solidFill>
+                        <a:schemeClr val="tx1"/>
+                      </a:solidFill>
+                      <a:prstDash val="solid"/>
+                      <a:round/>
+                      <a:headEnd type="none" w="med" len="med"/>
+                      <a:tailEnd type="none" w="med" len="med"/>
+                    </a:lnB>
+                  </a:tcPr>
+                </a:tc>
+                <a:extLst>
+                  <a:ext uri="{0D108BD9-81ED-4DB2-BD59-A6C34878D82A}">
+                    <a16:rowId xmlns:a16="http://schemas.microsoft.com/office/drawing/2014/main" val="134287506"/>
+                  </a:ext>
+                </a:extLst>
+              </a:tr>
+              <a:tr h="585065">
+                <a:tc>
+                  <a:txBody>
+                    <a:bodyPr/>
+                    <a:lstStyle/>
+                    <a:p>
+                      <a:pPr algn="ctr"/>
+                      <a:r>
+                        <a:rPr lang="sr-Latn-RS" dirty="0" smtClean="0"/>
+                        <a:t>aplikativni</a:t>
+                      </a:r>
+                      <a:r>
+                        <a:rPr lang="sr-Latn-RS" baseline="0" dirty="0" smtClean="0"/>
+                        <a:t> sloj</a:t>
+                      </a:r>
+                    </a:p>
+                    <a:p>
+                      <a:pPr algn="ctr"/>
+                      <a:r>
+                        <a:rPr lang="sr-Latn-RS" sz="1000" baseline="0" dirty="0" smtClean="0"/>
+                        <a:t>(mrežni procesi vezani za aplikaciju)</a:t>
+                      </a:r>
+                      <a:endParaRPr lang="en-US" sz="1000" dirty="0"/>
+                    </a:p>
+                  </a:txBody>
+                  <a:tcPr anchor="ctr">
+                    <a:lnL w="12700" cap="flat" cmpd="sng" algn="ctr">
+                      <a:solidFill>
+                        <a:schemeClr val="tx1"/>
+                      </a:solidFill>
+                      <a:prstDash val="solid"/>
+                      <a:round/>
+                      <a:headEnd type="none" w="med" len="med"/>
+                      <a:tailEnd type="none" w="med" len="med"/>
+                    </a:lnL>
+                    <a:lnR w="12700" cap="flat" cmpd="sng" algn="ctr">
+                      <a:solidFill>
+                        <a:schemeClr val="tx1"/>
+                      </a:solidFill>
+                      <a:prstDash val="solid"/>
+                      <a:round/>
+                      <a:headEnd type="none" w="med" len="med"/>
+                      <a:tailEnd type="none" w="med" len="med"/>
+                    </a:lnR>
+                    <a:lnT w="12700" cap="flat" cmpd="sng" algn="ctr">
+                      <a:solidFill>
+                        <a:schemeClr val="tx1"/>
+                      </a:solidFill>
+                      <a:prstDash val="solid"/>
+                      <a:round/>
+                      <a:headEnd type="none" w="med" len="med"/>
+                      <a:tailEnd type="none" w="med" len="med"/>
+                    </a:lnT>
+                    <a:lnB w="12700" cap="flat" cmpd="sng" algn="ctr">
+                      <a:solidFill>
+                        <a:schemeClr val="tx1"/>
+                      </a:solidFill>
+                      <a:prstDash val="solid"/>
+                      <a:round/>
+                      <a:headEnd type="none" w="med" len="med"/>
+                      <a:tailEnd type="none" w="med" len="med"/>
+                    </a:lnB>
+                    <a:solidFill>
+                      <a:srgbClr val="00FFFF"/>
+                    </a:solidFill>
+                  </a:tcPr>
+                </a:tc>
+                <a:tc rowSpan="3">
+                  <a:txBody>
+                    <a:bodyPr/>
+                    <a:lstStyle/>
+                    <a:p>
+                      <a:pPr algn="ctr"/>
+                      <a:r>
+                        <a:rPr lang="sr-Latn-RS" dirty="0" smtClean="0"/>
+                        <a:t>aplikativni sloj</a:t>
+                      </a:r>
+                      <a:endParaRPr lang="en-US" dirty="0"/>
+                    </a:p>
+                  </a:txBody>
+                  <a:tcPr anchor="ctr">
+                    <a:lnL w="12700" cap="flat" cmpd="sng" algn="ctr">
+                      <a:solidFill>
+                        <a:schemeClr val="tx1"/>
+                      </a:solidFill>
+                      <a:prstDash val="solid"/>
+                      <a:round/>
+                      <a:headEnd type="none" w="med" len="med"/>
+                      <a:tailEnd type="none" w="med" len="med"/>
+                    </a:lnL>
+                    <a:lnR w="12700" cap="flat" cmpd="sng" algn="ctr">
+                      <a:solidFill>
+                        <a:schemeClr val="tx1"/>
+                      </a:solidFill>
+                      <a:prstDash val="solid"/>
+                      <a:round/>
+                      <a:headEnd type="none" w="med" len="med"/>
+                      <a:tailEnd type="none" w="med" len="med"/>
+                    </a:lnR>
+                    <a:lnT w="12700" cap="flat" cmpd="sng" algn="ctr">
+                      <a:solidFill>
+                        <a:schemeClr val="tx1"/>
+                      </a:solidFill>
+                      <a:prstDash val="solid"/>
+                      <a:round/>
+                      <a:headEnd type="none" w="med" len="med"/>
+                      <a:tailEnd type="none" w="med" len="med"/>
+                    </a:lnT>
+                    <a:lnB w="12700" cap="flat" cmpd="sng" algn="ctr">
+                      <a:solidFill>
+                        <a:schemeClr val="tx1"/>
+                      </a:solidFill>
+                      <a:prstDash val="solid"/>
+                      <a:round/>
+                      <a:headEnd type="none" w="med" len="med"/>
+                      <a:tailEnd type="none" w="med" len="med"/>
+                    </a:lnB>
+                    <a:solidFill>
+                      <a:srgbClr val="00FFFF"/>
+                    </a:solidFill>
+                  </a:tcPr>
+                </a:tc>
+                <a:tc>
+                  <a:txBody>
+                    <a:bodyPr/>
+                    <a:lstStyle/>
+                    <a:p>
+                      <a:pPr algn="ctr"/>
+                      <a:r>
+                        <a:rPr lang="sr-Latn-RS" sz="1050" dirty="0" smtClean="0"/>
+                        <a:t>podatak</a:t>
+                      </a:r>
+                      <a:endParaRPr lang="en-US" sz="1050" dirty="0"/>
+                    </a:p>
+                  </a:txBody>
+                  <a:tcPr anchor="ctr">
+                    <a:lnL w="12700" cap="flat" cmpd="sng" algn="ctr">
+                      <a:solidFill>
+                        <a:schemeClr val="tx1"/>
+                      </a:solidFill>
+                      <a:prstDash val="solid"/>
+                      <a:round/>
+                      <a:headEnd type="none" w="med" len="med"/>
+                      <a:tailEnd type="none" w="med" len="med"/>
+                    </a:lnL>
+                    <a:lnR w="12700" cap="flat" cmpd="sng" algn="ctr">
+                      <a:solidFill>
+                        <a:schemeClr val="tx1"/>
+                      </a:solidFill>
+                      <a:prstDash val="solid"/>
+                      <a:round/>
+                      <a:headEnd type="none" w="med" len="med"/>
+                      <a:tailEnd type="none" w="med" len="med"/>
+                    </a:lnR>
+                    <a:lnT w="12700" cap="flat" cmpd="sng" algn="ctr">
+                      <a:solidFill>
+                        <a:schemeClr val="tx1"/>
+                      </a:solidFill>
+                      <a:prstDash val="solid"/>
+                      <a:round/>
+                      <a:headEnd type="none" w="med" len="med"/>
+                      <a:tailEnd type="none" w="med" len="med"/>
+                    </a:lnT>
+                    <a:lnB w="12700" cap="flat" cmpd="sng" algn="ctr">
+                      <a:solidFill>
+                        <a:schemeClr val="tx1"/>
+                      </a:solidFill>
+                      <a:prstDash val="solid"/>
+                      <a:round/>
+                      <a:headEnd type="none" w="med" len="med"/>
+                      <a:tailEnd type="none" w="med" len="med"/>
+                    </a:lnB>
+                    <a:solidFill>
+                      <a:srgbClr val="00FFFF"/>
+                    </a:solidFill>
+                  </a:tcPr>
+                </a:tc>
+                <a:tc>
+                  <a:txBody>
+                    <a:bodyPr/>
+                    <a:lstStyle/>
+                    <a:p>
+                      <a:pPr algn="ctr"/>
+                      <a:r>
+                        <a:rPr lang="en-US" sz="1050" dirty="0" smtClean="0"/>
+                        <a:t>HTTP, FTP, Telnet, DNS, DHCP, </a:t>
+                      </a:r>
+                      <a:r>
+                        <a:rPr lang="sr-Latn-RS" sz="1050" dirty="0" smtClean="0"/>
+                        <a:t>P</a:t>
+                      </a:r>
+                      <a:r>
+                        <a:rPr lang="en-US" sz="1050" dirty="0" smtClean="0"/>
+                        <a:t>OP/SMTP, NNTP</a:t>
+                      </a:r>
+                      <a:endParaRPr lang="en-US" sz="1050" dirty="0"/>
+                    </a:p>
+                  </a:txBody>
+                  <a:tcPr anchor="ctr">
+                    <a:lnL w="12700" cap="flat" cmpd="sng" algn="ctr">
+                      <a:solidFill>
+                        <a:schemeClr val="tx1"/>
+                      </a:solidFill>
+                      <a:prstDash val="solid"/>
+                      <a:round/>
+                      <a:headEnd type="none" w="med" len="med"/>
+                      <a:tailEnd type="none" w="med" len="med"/>
+                    </a:lnL>
+                    <a:lnR w="12700" cap="flat" cmpd="sng" algn="ctr">
+                      <a:solidFill>
+                        <a:schemeClr val="tx1"/>
+                      </a:solidFill>
+                      <a:prstDash val="solid"/>
+                      <a:round/>
+                      <a:headEnd type="none" w="med" len="med"/>
+                      <a:tailEnd type="none" w="med" len="med"/>
+                    </a:lnR>
+                    <a:lnT w="12700" cap="flat" cmpd="sng" algn="ctr">
+                      <a:solidFill>
+                        <a:schemeClr val="tx1"/>
+                      </a:solidFill>
+                      <a:prstDash val="solid"/>
+                      <a:round/>
+                      <a:headEnd type="none" w="med" len="med"/>
+                      <a:tailEnd type="none" w="med" len="med"/>
+                    </a:lnT>
+                    <a:lnB w="12700" cap="flat" cmpd="sng" algn="ctr">
+                      <a:solidFill>
+                        <a:schemeClr val="tx1"/>
+                      </a:solidFill>
+                      <a:prstDash val="solid"/>
+                      <a:round/>
+                      <a:headEnd type="none" w="med" len="med"/>
+                      <a:tailEnd type="none" w="med" len="med"/>
+                    </a:lnB>
+                    <a:solidFill>
+                      <a:srgbClr val="00FFFF"/>
+                    </a:solidFill>
+                  </a:tcPr>
+                </a:tc>
+                <a:extLst>
+                  <a:ext uri="{0D108BD9-81ED-4DB2-BD59-A6C34878D82A}">
+                    <a16:rowId xmlns:a16="http://schemas.microsoft.com/office/drawing/2014/main" val="50978499"/>
+                  </a:ext>
+                </a:extLst>
+              </a:tr>
+              <a:tr h="585065">
+                <a:tc>
+                  <a:txBody>
+                    <a:bodyPr/>
+                    <a:lstStyle/>
+                    <a:p>
+                      <a:pPr algn="ctr"/>
+                      <a:r>
+                        <a:rPr lang="sr-Latn-RS" dirty="0" smtClean="0"/>
+                        <a:t>sloj prezentacije</a:t>
+                      </a:r>
+                    </a:p>
+                    <a:p>
+                      <a:pPr algn="ctr"/>
+                      <a:r>
+                        <a:rPr lang="sr-Latn-RS" sz="1000" dirty="0" smtClean="0"/>
+                        <a:t>(</a:t>
+                      </a:r>
+                      <a:r>
+                        <a:rPr lang="sr-Latn-RS" sz="1000" dirty="0" err="1" smtClean="0"/>
+                        <a:t>enkripcija</a:t>
+                      </a:r>
+                      <a:r>
+                        <a:rPr lang="sr-Latn-RS" sz="1000" dirty="0" smtClean="0"/>
+                        <a:t> i kodiranje podataka)</a:t>
+                      </a:r>
+                      <a:r>
+                        <a:rPr lang="sr-Latn-RS" dirty="0" smtClean="0"/>
+                        <a:t> </a:t>
+                      </a:r>
+                      <a:endParaRPr lang="en-US" dirty="0"/>
+                    </a:p>
+                  </a:txBody>
+                  <a:tcPr anchor="ctr">
+                    <a:lnL w="12700" cap="flat" cmpd="sng" algn="ctr">
+                      <a:solidFill>
+                        <a:schemeClr val="tx1"/>
+                      </a:solidFill>
+                      <a:prstDash val="solid"/>
+                      <a:round/>
+                      <a:headEnd type="none" w="med" len="med"/>
+                      <a:tailEnd type="none" w="med" len="med"/>
+                    </a:lnL>
+                    <a:lnR w="12700" cap="flat" cmpd="sng" algn="ctr">
+                      <a:solidFill>
+                        <a:schemeClr val="tx1"/>
+                      </a:solidFill>
+                      <a:prstDash val="solid"/>
+                      <a:round/>
+                      <a:headEnd type="none" w="med" len="med"/>
+                      <a:tailEnd type="none" w="med" len="med"/>
+                    </a:lnR>
+                    <a:lnT w="12700" cap="flat" cmpd="sng" algn="ctr">
+                      <a:solidFill>
+                        <a:schemeClr val="tx1"/>
+                      </a:solidFill>
+                      <a:prstDash val="solid"/>
+                      <a:round/>
+                      <a:headEnd type="none" w="med" len="med"/>
+                      <a:tailEnd type="none" w="med" len="med"/>
+                    </a:lnT>
+                    <a:lnB w="12700" cap="flat" cmpd="sng" algn="ctr">
+                      <a:solidFill>
+                        <a:schemeClr val="tx1"/>
+                      </a:solidFill>
+                      <a:prstDash val="solid"/>
+                      <a:round/>
+                      <a:headEnd type="none" w="med" len="med"/>
+                      <a:tailEnd type="none" w="med" len="med"/>
+                    </a:lnB>
+                    <a:solidFill>
+                      <a:srgbClr val="CCCCFF"/>
+                    </a:solidFill>
+                  </a:tcPr>
+                </a:tc>
+                <a:tc vMerge="1">
+                  <a:txBody>
+                    <a:bodyPr/>
+                    <a:lstStyle/>
+                    <a:p>
+                      <a:pPr algn="ctr"/>
+                      <a:endParaRPr lang="en-US" dirty="0"/>
+                    </a:p>
+                  </a:txBody>
+                  <a:tcPr anchor="ctr">
+                    <a:lnL w="12700" cap="flat" cmpd="sng" algn="ctr">
+                      <a:solidFill>
+                        <a:schemeClr val="tx1"/>
+                      </a:solidFill>
+                      <a:prstDash val="solid"/>
+                      <a:round/>
+                      <a:headEnd type="none" w="med" len="med"/>
+                      <a:tailEnd type="none" w="med" len="med"/>
+                    </a:lnL>
+                    <a:lnR w="12700" cap="flat" cmpd="sng" algn="ctr">
+                      <a:solidFill>
+                        <a:schemeClr val="tx1"/>
+                      </a:solidFill>
+                      <a:prstDash val="solid"/>
+                      <a:round/>
+                      <a:headEnd type="none" w="med" len="med"/>
+                      <a:tailEnd type="none" w="med" len="med"/>
+                    </a:lnR>
+                    <a:lnT w="12700" cap="flat" cmpd="sng" algn="ctr">
+                      <a:solidFill>
+                        <a:schemeClr val="tx1"/>
+                      </a:solidFill>
+                      <a:prstDash val="solid"/>
+                      <a:round/>
+                      <a:headEnd type="none" w="med" len="med"/>
+                      <a:tailEnd type="none" w="med" len="med"/>
+                    </a:lnT>
+                    <a:lnB w="12700" cap="flat" cmpd="sng" algn="ctr">
+                      <a:solidFill>
+                        <a:schemeClr val="tx1"/>
+                      </a:solidFill>
+                      <a:prstDash val="solid"/>
+                      <a:round/>
+                      <a:headEnd type="none" w="med" len="med"/>
+                      <a:tailEnd type="none" w="med" len="med"/>
+                    </a:lnB>
+                  </a:tcPr>
+                </a:tc>
+                <a:tc>
+                  <a:txBody>
+                    <a:bodyPr/>
+                    <a:lstStyle/>
+                    <a:p>
+                      <a:pPr marL="0" marR="0" lvl="0" indent="0" algn="ctr" defTabSz="914400" rtl="0" eaLnBrk="1" fontAlgn="auto" latinLnBrk="0" hangingPunct="1">
+                        <a:lnSpc>
+                          <a:spcPct val="100000"/>
+                        </a:lnSpc>
+                        <a:spcBef>
+                          <a:spcPts val="0"/>
+                        </a:spcBef>
+                        <a:spcAft>
+                          <a:spcPts val="0"/>
+                        </a:spcAft>
+                        <a:buClrTx/>
+                        <a:buSzTx/>
+                        <a:buFontTx/>
+                        <a:buNone/>
+                        <a:tabLst/>
+                        <a:defRPr/>
+                      </a:pPr>
+                      <a:r>
+                        <a:rPr lang="sr-Latn-RS" sz="1050" dirty="0" smtClean="0"/>
+                        <a:t>podatak</a:t>
+                      </a:r>
+                      <a:endParaRPr lang="en-US" sz="1050" dirty="0" smtClean="0"/>
+                    </a:p>
+                  </a:txBody>
+                  <a:tcPr anchor="ctr">
+                    <a:lnL w="12700" cap="flat" cmpd="sng" algn="ctr">
+                      <a:solidFill>
+                        <a:schemeClr val="tx1"/>
+                      </a:solidFill>
+                      <a:prstDash val="solid"/>
+                      <a:round/>
+                      <a:headEnd type="none" w="med" len="med"/>
+                      <a:tailEnd type="none" w="med" len="med"/>
+                    </a:lnL>
+                    <a:lnR w="12700" cap="flat" cmpd="sng" algn="ctr">
+                      <a:solidFill>
+                        <a:schemeClr val="tx1"/>
+                      </a:solidFill>
+                      <a:prstDash val="solid"/>
+                      <a:round/>
+                      <a:headEnd type="none" w="med" len="med"/>
+                      <a:tailEnd type="none" w="med" len="med"/>
+                    </a:lnR>
+                    <a:lnT w="12700" cap="flat" cmpd="sng" algn="ctr">
+                      <a:solidFill>
+                        <a:schemeClr val="tx1"/>
+                      </a:solidFill>
+                      <a:prstDash val="solid"/>
+                      <a:round/>
+                      <a:headEnd type="none" w="med" len="med"/>
+                      <a:tailEnd type="none" w="med" len="med"/>
+                    </a:lnT>
+                    <a:lnB w="12700" cap="flat" cmpd="sng" algn="ctr">
+                      <a:solidFill>
+                        <a:schemeClr val="tx1"/>
+                      </a:solidFill>
+                      <a:prstDash val="solid"/>
+                      <a:round/>
+                      <a:headEnd type="none" w="med" len="med"/>
+                      <a:tailEnd type="none" w="med" len="med"/>
+                    </a:lnB>
+                    <a:solidFill>
+                      <a:srgbClr val="CCCCFF"/>
+                    </a:solidFill>
+                  </a:tcPr>
+                </a:tc>
+                <a:tc>
+                  <a:txBody>
+                    <a:bodyPr/>
+                    <a:lstStyle/>
+                    <a:p>
+                      <a:pPr algn="ctr"/>
+                      <a:r>
+                        <a:rPr lang="en-US" sz="1050" dirty="0" smtClean="0"/>
+                        <a:t>MIME,</a:t>
+                      </a:r>
+                      <a:r>
+                        <a:rPr lang="sr-Latn-RS" sz="1050" baseline="0" dirty="0" smtClean="0"/>
+                        <a:t> </a:t>
+                      </a:r>
+                      <a:r>
+                        <a:rPr lang="en-US" sz="1050" dirty="0" smtClean="0"/>
+                        <a:t>TLS, SSL</a:t>
+                      </a:r>
+                      <a:endParaRPr lang="en-US" sz="1050" dirty="0"/>
+                    </a:p>
+                  </a:txBody>
+                  <a:tcPr anchor="ctr">
+                    <a:lnL w="12700" cap="flat" cmpd="sng" algn="ctr">
+                      <a:solidFill>
+                        <a:schemeClr val="tx1"/>
+                      </a:solidFill>
+                      <a:prstDash val="solid"/>
+                      <a:round/>
+                      <a:headEnd type="none" w="med" len="med"/>
+                      <a:tailEnd type="none" w="med" len="med"/>
+                    </a:lnL>
+                    <a:lnR w="12700" cap="flat" cmpd="sng" algn="ctr">
+                      <a:solidFill>
+                        <a:schemeClr val="tx1"/>
+                      </a:solidFill>
+                      <a:prstDash val="solid"/>
+                      <a:round/>
+                      <a:headEnd type="none" w="med" len="med"/>
+                      <a:tailEnd type="none" w="med" len="med"/>
+                    </a:lnR>
+                    <a:lnT w="12700" cap="flat" cmpd="sng" algn="ctr">
+                      <a:solidFill>
+                        <a:schemeClr val="tx1"/>
+                      </a:solidFill>
+                      <a:prstDash val="solid"/>
+                      <a:round/>
+                      <a:headEnd type="none" w="med" len="med"/>
+                      <a:tailEnd type="none" w="med" len="med"/>
+                    </a:lnT>
+                    <a:lnB w="12700" cap="flat" cmpd="sng" algn="ctr">
+                      <a:solidFill>
+                        <a:schemeClr val="tx1"/>
+                      </a:solidFill>
+                      <a:prstDash val="solid"/>
+                      <a:round/>
+                      <a:headEnd type="none" w="med" len="med"/>
+                      <a:tailEnd type="none" w="med" len="med"/>
+                    </a:lnB>
+                    <a:solidFill>
+                      <a:srgbClr val="CCCCFF"/>
+                    </a:solidFill>
+                  </a:tcPr>
+                </a:tc>
+                <a:extLst>
+                  <a:ext uri="{0D108BD9-81ED-4DB2-BD59-A6C34878D82A}">
+                    <a16:rowId xmlns:a16="http://schemas.microsoft.com/office/drawing/2014/main" val="1528209422"/>
+                  </a:ext>
+                </a:extLst>
+              </a:tr>
+              <a:tr h="585065">
+                <a:tc>
+                  <a:txBody>
+                    <a:bodyPr/>
+                    <a:lstStyle/>
+                    <a:p>
+                      <a:pPr algn="ctr"/>
+                      <a:r>
+                        <a:rPr lang="sr-Latn-RS" sz="1800" dirty="0" smtClean="0"/>
+                        <a:t>sloj sesije</a:t>
+                      </a:r>
+                    </a:p>
+                    <a:p>
+                      <a:pPr algn="ctr"/>
+                      <a:r>
+                        <a:rPr lang="sr-Latn-RS" sz="1000" dirty="0" smtClean="0"/>
+                        <a:t>(uspostavljanje sesije krajnjih korisnika)</a:t>
+                      </a:r>
+                      <a:endParaRPr lang="en-US" sz="1000" dirty="0"/>
+                    </a:p>
+                  </a:txBody>
+                  <a:tcPr anchor="ctr">
+                    <a:lnL w="12700" cap="flat" cmpd="sng" algn="ctr">
+                      <a:solidFill>
+                        <a:schemeClr val="tx1"/>
+                      </a:solidFill>
+                      <a:prstDash val="solid"/>
+                      <a:round/>
+                      <a:headEnd type="none" w="med" len="med"/>
+                      <a:tailEnd type="none" w="med" len="med"/>
+                    </a:lnL>
+                    <a:lnR w="12700" cap="flat" cmpd="sng" algn="ctr">
+                      <a:solidFill>
+                        <a:schemeClr val="tx1"/>
+                      </a:solidFill>
+                      <a:prstDash val="solid"/>
+                      <a:round/>
+                      <a:headEnd type="none" w="med" len="med"/>
+                      <a:tailEnd type="none" w="med" len="med"/>
+                    </a:lnR>
+                    <a:lnT w="12700" cap="flat" cmpd="sng" algn="ctr">
+                      <a:solidFill>
+                        <a:schemeClr val="tx1"/>
+                      </a:solidFill>
+                      <a:prstDash val="solid"/>
+                      <a:round/>
+                      <a:headEnd type="none" w="med" len="med"/>
+                      <a:tailEnd type="none" w="med" len="med"/>
+                    </a:lnT>
+                    <a:lnB w="12700" cap="flat" cmpd="sng" algn="ctr">
+                      <a:solidFill>
+                        <a:schemeClr val="tx1"/>
+                      </a:solidFill>
+                      <a:prstDash val="solid"/>
+                      <a:round/>
+                      <a:headEnd type="none" w="med" len="med"/>
+                      <a:tailEnd type="none" w="med" len="med"/>
+                    </a:lnB>
+                    <a:solidFill>
+                      <a:srgbClr val="FF99CC"/>
+                    </a:solidFill>
+                  </a:tcPr>
+                </a:tc>
+                <a:tc vMerge="1">
+                  <a:txBody>
+                    <a:bodyPr/>
+                    <a:lstStyle/>
+                    <a:p>
+                      <a:pPr algn="ctr"/>
+                      <a:endParaRPr lang="en-US" dirty="0"/>
+                    </a:p>
+                  </a:txBody>
+                  <a:tcPr anchor="ctr">
+                    <a:lnL w="12700" cap="flat" cmpd="sng" algn="ctr">
+                      <a:solidFill>
+                        <a:schemeClr val="tx1"/>
+                      </a:solidFill>
+                      <a:prstDash val="solid"/>
+                      <a:round/>
+                      <a:headEnd type="none" w="med" len="med"/>
+                      <a:tailEnd type="none" w="med" len="med"/>
+                    </a:lnL>
+                    <a:lnR w="12700" cap="flat" cmpd="sng" algn="ctr">
+                      <a:solidFill>
+                        <a:schemeClr val="tx1"/>
+                      </a:solidFill>
+                      <a:prstDash val="solid"/>
+                      <a:round/>
+                      <a:headEnd type="none" w="med" len="med"/>
+                      <a:tailEnd type="none" w="med" len="med"/>
+                    </a:lnR>
+                    <a:lnT w="12700" cap="flat" cmpd="sng" algn="ctr">
+                      <a:solidFill>
+                        <a:schemeClr val="tx1"/>
+                      </a:solidFill>
+                      <a:prstDash val="solid"/>
+                      <a:round/>
+                      <a:headEnd type="none" w="med" len="med"/>
+                      <a:tailEnd type="none" w="med" len="med"/>
+                    </a:lnT>
+                    <a:lnB w="12700" cap="flat" cmpd="sng" algn="ctr">
+                      <a:solidFill>
+                        <a:schemeClr val="tx1"/>
+                      </a:solidFill>
+                      <a:prstDash val="solid"/>
+                      <a:round/>
+                      <a:headEnd type="none" w="med" len="med"/>
+                      <a:tailEnd type="none" w="med" len="med"/>
+                    </a:lnB>
+                  </a:tcPr>
+                </a:tc>
+                <a:tc>
+                  <a:txBody>
+                    <a:bodyPr/>
+                    <a:lstStyle/>
+                    <a:p>
+                      <a:pPr marL="0" marR="0" lvl="0" indent="0" algn="ctr" defTabSz="914400" rtl="0" eaLnBrk="1" fontAlgn="auto" latinLnBrk="0" hangingPunct="1">
+                        <a:lnSpc>
+                          <a:spcPct val="100000"/>
+                        </a:lnSpc>
+                        <a:spcBef>
+                          <a:spcPts val="0"/>
+                        </a:spcBef>
+                        <a:spcAft>
+                          <a:spcPts val="0"/>
+                        </a:spcAft>
+                        <a:buClrTx/>
+                        <a:buSzTx/>
+                        <a:buFontTx/>
+                        <a:buNone/>
+                        <a:tabLst/>
+                        <a:defRPr/>
+                      </a:pPr>
+                      <a:r>
+                        <a:rPr lang="sr-Latn-RS" sz="1050" dirty="0" smtClean="0"/>
+                        <a:t>podatak</a:t>
+                      </a:r>
+                      <a:endParaRPr lang="en-US" sz="1050" dirty="0" smtClean="0"/>
+                    </a:p>
+                  </a:txBody>
+                  <a:tcPr anchor="ctr">
+                    <a:lnL w="12700" cap="flat" cmpd="sng" algn="ctr">
+                      <a:solidFill>
+                        <a:schemeClr val="tx1"/>
+                      </a:solidFill>
+                      <a:prstDash val="solid"/>
+                      <a:round/>
+                      <a:headEnd type="none" w="med" len="med"/>
+                      <a:tailEnd type="none" w="med" len="med"/>
+                    </a:lnL>
+                    <a:lnR w="12700" cap="flat" cmpd="sng" algn="ctr">
+                      <a:solidFill>
+                        <a:schemeClr val="tx1"/>
+                      </a:solidFill>
+                      <a:prstDash val="solid"/>
+                      <a:round/>
+                      <a:headEnd type="none" w="med" len="med"/>
+                      <a:tailEnd type="none" w="med" len="med"/>
+                    </a:lnR>
+                    <a:lnT w="12700" cap="flat" cmpd="sng" algn="ctr">
+                      <a:solidFill>
+                        <a:schemeClr val="tx1"/>
+                      </a:solidFill>
+                      <a:prstDash val="solid"/>
+                      <a:round/>
+                      <a:headEnd type="none" w="med" len="med"/>
+                      <a:tailEnd type="none" w="med" len="med"/>
+                    </a:lnT>
+                    <a:lnB w="12700" cap="flat" cmpd="sng" algn="ctr">
+                      <a:solidFill>
+                        <a:schemeClr val="tx1"/>
+                      </a:solidFill>
+                      <a:prstDash val="solid"/>
+                      <a:round/>
+                      <a:headEnd type="none" w="med" len="med"/>
+                      <a:tailEnd type="none" w="med" len="med"/>
+                    </a:lnB>
+                    <a:solidFill>
+                      <a:srgbClr val="FF99CC"/>
+                    </a:solidFill>
+                  </a:tcPr>
+                </a:tc>
+                <a:tc>
+                  <a:txBody>
+                    <a:bodyPr/>
+                    <a:lstStyle/>
+                    <a:p>
+                      <a:pPr algn="ctr"/>
+                      <a:r>
+                        <a:rPr lang="en-US" sz="1050" dirty="0" smtClean="0"/>
+                        <a:t> SSH, Named Pipes, PPTP</a:t>
+                      </a:r>
+                      <a:endParaRPr lang="en-US" sz="1050" dirty="0"/>
+                    </a:p>
+                  </a:txBody>
+                  <a:tcPr anchor="ctr">
+                    <a:lnL w="12700" cap="flat" cmpd="sng" algn="ctr">
+                      <a:solidFill>
+                        <a:schemeClr val="tx1"/>
+                      </a:solidFill>
+                      <a:prstDash val="solid"/>
+                      <a:round/>
+                      <a:headEnd type="none" w="med" len="med"/>
+                      <a:tailEnd type="none" w="med" len="med"/>
+                    </a:lnL>
+                    <a:lnR w="12700" cap="flat" cmpd="sng" algn="ctr">
+                      <a:solidFill>
+                        <a:schemeClr val="tx1"/>
+                      </a:solidFill>
+                      <a:prstDash val="solid"/>
+                      <a:round/>
+                      <a:headEnd type="none" w="med" len="med"/>
+                      <a:tailEnd type="none" w="med" len="med"/>
+                    </a:lnR>
+                    <a:lnT w="12700" cap="flat" cmpd="sng" algn="ctr">
+                      <a:solidFill>
+                        <a:schemeClr val="tx1"/>
+                      </a:solidFill>
+                      <a:prstDash val="solid"/>
+                      <a:round/>
+                      <a:headEnd type="none" w="med" len="med"/>
+                      <a:tailEnd type="none" w="med" len="med"/>
+                    </a:lnT>
+                    <a:lnB w="12700" cap="flat" cmpd="sng" algn="ctr">
+                      <a:solidFill>
+                        <a:schemeClr val="tx1"/>
+                      </a:solidFill>
+                      <a:prstDash val="solid"/>
+                      <a:round/>
+                      <a:headEnd type="none" w="med" len="med"/>
+                      <a:tailEnd type="none" w="med" len="med"/>
+                    </a:lnB>
+                    <a:solidFill>
+                      <a:srgbClr val="FF99CC"/>
+                    </a:solidFill>
+                  </a:tcPr>
+                </a:tc>
+                <a:extLst>
+                  <a:ext uri="{0D108BD9-81ED-4DB2-BD59-A6C34878D82A}">
+                    <a16:rowId xmlns:a16="http://schemas.microsoft.com/office/drawing/2014/main" val="816460530"/>
+                  </a:ext>
+                </a:extLst>
+              </a:tr>
+              <a:tr h="585065">
+                <a:tc>
+                  <a:txBody>
+                    <a:bodyPr/>
+                    <a:lstStyle/>
+                    <a:p>
+                      <a:pPr algn="ctr"/>
+                      <a:r>
+                        <a:rPr lang="sr-Latn-RS" dirty="0" smtClean="0"/>
+                        <a:t>transportni sloj</a:t>
+                      </a:r>
+                    </a:p>
+                    <a:p>
+                      <a:pPr algn="ctr"/>
+                      <a:r>
+                        <a:rPr lang="sr-Latn-RS" sz="1000" dirty="0" smtClean="0"/>
+                        <a:t>(veza, pouzdanost, transport)</a:t>
+                      </a:r>
+                      <a:endParaRPr lang="en-US" sz="1000" dirty="0"/>
+                    </a:p>
+                  </a:txBody>
+                  <a:tcPr anchor="ctr">
+                    <a:lnL w="12700" cap="flat" cmpd="sng" algn="ctr">
+                      <a:solidFill>
+                        <a:schemeClr val="tx1"/>
+                      </a:solidFill>
+                      <a:prstDash val="solid"/>
+                      <a:round/>
+                      <a:headEnd type="none" w="med" len="med"/>
+                      <a:tailEnd type="none" w="med" len="med"/>
+                    </a:lnL>
+                    <a:lnR w="12700" cap="flat" cmpd="sng" algn="ctr">
+                      <a:solidFill>
+                        <a:schemeClr val="tx1"/>
+                      </a:solidFill>
+                      <a:prstDash val="solid"/>
+                      <a:round/>
+                      <a:headEnd type="none" w="med" len="med"/>
+                      <a:tailEnd type="none" w="med" len="med"/>
+                    </a:lnR>
+                    <a:lnT w="12700" cap="flat" cmpd="sng" algn="ctr">
+                      <a:solidFill>
+                        <a:schemeClr val="tx1"/>
+                      </a:solidFill>
+                      <a:prstDash val="solid"/>
+                      <a:round/>
+                      <a:headEnd type="none" w="med" len="med"/>
+                      <a:tailEnd type="none" w="med" len="med"/>
+                    </a:lnT>
+                    <a:lnB w="12700" cap="flat" cmpd="sng" algn="ctr">
+                      <a:solidFill>
+                        <a:schemeClr val="tx1"/>
+                      </a:solidFill>
+                      <a:prstDash val="solid"/>
+                      <a:round/>
+                      <a:headEnd type="none" w="med" len="med"/>
+                      <a:tailEnd type="none" w="med" len="med"/>
+                    </a:lnB>
+                    <a:solidFill>
+                      <a:srgbClr val="FF9999"/>
+                    </a:solidFill>
+                  </a:tcPr>
+                </a:tc>
+                <a:tc>
+                  <a:txBody>
+                    <a:bodyPr/>
+                    <a:lstStyle/>
+                    <a:p>
+                      <a:pPr algn="ctr"/>
+                      <a:r>
+                        <a:rPr lang="sr-Latn-RS" b="1" smtClean="0">
+                          <a:solidFill>
+                            <a:srgbClr val="FF0000"/>
+                          </a:solidFill>
+                        </a:rPr>
+                        <a:t>transportni </a:t>
+                      </a:r>
+                      <a:r>
+                        <a:rPr lang="sr-Latn-RS" b="1" dirty="0" smtClean="0">
+                          <a:solidFill>
+                            <a:srgbClr val="FF0000"/>
+                          </a:solidFill>
+                        </a:rPr>
+                        <a:t>sloj</a:t>
+                      </a:r>
+                      <a:endParaRPr lang="en-US" b="1" dirty="0">
+                        <a:solidFill>
+                          <a:srgbClr val="FF0000"/>
+                        </a:solidFill>
+                      </a:endParaRPr>
+                    </a:p>
+                  </a:txBody>
+                  <a:tcPr anchor="ctr">
+                    <a:lnL w="12700" cap="flat" cmpd="sng" algn="ctr">
+                      <a:solidFill>
+                        <a:schemeClr val="tx1"/>
+                      </a:solidFill>
+                      <a:prstDash val="solid"/>
+                      <a:round/>
+                      <a:headEnd type="none" w="med" len="med"/>
+                      <a:tailEnd type="none" w="med" len="med"/>
+                    </a:lnL>
+                    <a:lnR w="12700" cap="flat" cmpd="sng" algn="ctr">
+                      <a:solidFill>
+                        <a:schemeClr val="tx1"/>
+                      </a:solidFill>
+                      <a:prstDash val="solid"/>
+                      <a:round/>
+                      <a:headEnd type="none" w="med" len="med"/>
+                      <a:tailEnd type="none" w="med" len="med"/>
+                    </a:lnR>
+                    <a:lnT w="12700" cap="flat" cmpd="sng" algn="ctr">
+                      <a:solidFill>
+                        <a:schemeClr val="tx1"/>
+                      </a:solidFill>
+                      <a:prstDash val="solid"/>
+                      <a:round/>
+                      <a:headEnd type="none" w="med" len="med"/>
+                      <a:tailEnd type="none" w="med" len="med"/>
+                    </a:lnT>
+                    <a:lnB w="12700" cap="flat" cmpd="sng" algn="ctr">
+                      <a:solidFill>
+                        <a:schemeClr val="tx1"/>
+                      </a:solidFill>
+                      <a:prstDash val="solid"/>
+                      <a:round/>
+                      <a:headEnd type="none" w="med" len="med"/>
+                      <a:tailEnd type="none" w="med" len="med"/>
+                    </a:lnB>
+                    <a:solidFill>
+                      <a:srgbClr val="FF9999"/>
+                    </a:solidFill>
+                  </a:tcPr>
+                </a:tc>
+                <a:tc>
+                  <a:txBody>
+                    <a:bodyPr/>
+                    <a:lstStyle/>
+                    <a:p>
+                      <a:pPr algn="ctr"/>
+                      <a:r>
+                        <a:rPr lang="sr-Latn-RS" sz="1050" dirty="0" smtClean="0"/>
+                        <a:t>segment</a:t>
+                      </a:r>
+                    </a:p>
+                    <a:p>
+                      <a:pPr algn="ctr"/>
+                      <a:r>
+                        <a:rPr lang="sr-Latn-RS" sz="1050" dirty="0" err="1" smtClean="0"/>
+                        <a:t>datatgram</a:t>
+                      </a:r>
+                      <a:endParaRPr lang="en-US" sz="1050" dirty="0"/>
+                    </a:p>
+                  </a:txBody>
+                  <a:tcPr anchor="ctr">
+                    <a:lnL w="12700" cap="flat" cmpd="sng" algn="ctr">
+                      <a:solidFill>
+                        <a:schemeClr val="tx1"/>
+                      </a:solidFill>
+                      <a:prstDash val="solid"/>
+                      <a:round/>
+                      <a:headEnd type="none" w="med" len="med"/>
+                      <a:tailEnd type="none" w="med" len="med"/>
+                    </a:lnL>
+                    <a:lnR w="12700" cap="flat" cmpd="sng" algn="ctr">
+                      <a:solidFill>
+                        <a:schemeClr val="tx1"/>
+                      </a:solidFill>
+                      <a:prstDash val="solid"/>
+                      <a:round/>
+                      <a:headEnd type="none" w="med" len="med"/>
+                      <a:tailEnd type="none" w="med" len="med"/>
+                    </a:lnR>
+                    <a:lnT w="12700" cap="flat" cmpd="sng" algn="ctr">
+                      <a:solidFill>
+                        <a:schemeClr val="tx1"/>
+                      </a:solidFill>
+                      <a:prstDash val="solid"/>
+                      <a:round/>
+                      <a:headEnd type="none" w="med" len="med"/>
+                      <a:tailEnd type="none" w="med" len="med"/>
+                    </a:lnT>
+                    <a:lnB w="12700" cap="flat" cmpd="sng" algn="ctr">
+                      <a:solidFill>
+                        <a:schemeClr val="tx1"/>
+                      </a:solidFill>
+                      <a:prstDash val="solid"/>
+                      <a:round/>
+                      <a:headEnd type="none" w="med" len="med"/>
+                      <a:tailEnd type="none" w="med" len="med"/>
+                    </a:lnB>
+                    <a:solidFill>
+                      <a:srgbClr val="FF9999"/>
+                    </a:solidFill>
+                  </a:tcPr>
+                </a:tc>
+                <a:tc>
+                  <a:txBody>
+                    <a:bodyPr/>
+                    <a:lstStyle/>
+                    <a:p>
+                      <a:pPr algn="ctr"/>
+                      <a:r>
+                        <a:rPr lang="en-US" sz="1050" b="1" dirty="0" smtClean="0">
+                          <a:solidFill>
+                            <a:srgbClr val="FF0000"/>
+                          </a:solidFill>
+                        </a:rPr>
+                        <a:t>TCP</a:t>
+                      </a:r>
+                      <a:r>
+                        <a:rPr lang="en-US" sz="1050" dirty="0" smtClean="0"/>
+                        <a:t>, </a:t>
+                      </a:r>
+                      <a:r>
+                        <a:rPr lang="en-US" sz="1050" b="1" dirty="0" smtClean="0">
+                          <a:solidFill>
+                            <a:srgbClr val="FF0000"/>
+                          </a:solidFill>
+                        </a:rPr>
+                        <a:t>UDP</a:t>
+                      </a:r>
+                      <a:r>
+                        <a:rPr lang="en-US" sz="1050" dirty="0" smtClean="0"/>
+                        <a:t>, SCTP, DCCP</a:t>
+                      </a:r>
+                      <a:endParaRPr lang="en-US" sz="1050" dirty="0"/>
+                    </a:p>
+                  </a:txBody>
+                  <a:tcPr anchor="ctr">
+                    <a:lnL w="12700" cap="flat" cmpd="sng" algn="ctr">
+                      <a:solidFill>
+                        <a:schemeClr val="tx1"/>
+                      </a:solidFill>
+                      <a:prstDash val="solid"/>
+                      <a:round/>
+                      <a:headEnd type="none" w="med" len="med"/>
+                      <a:tailEnd type="none" w="med" len="med"/>
+                    </a:lnL>
+                    <a:lnR w="12700" cap="flat" cmpd="sng" algn="ctr">
+                      <a:solidFill>
+                        <a:schemeClr val="tx1"/>
+                      </a:solidFill>
+                      <a:prstDash val="solid"/>
+                      <a:round/>
+                      <a:headEnd type="none" w="med" len="med"/>
+                      <a:tailEnd type="none" w="med" len="med"/>
+                    </a:lnR>
+                    <a:lnT w="12700" cap="flat" cmpd="sng" algn="ctr">
+                      <a:solidFill>
+                        <a:schemeClr val="tx1"/>
+                      </a:solidFill>
+                      <a:prstDash val="solid"/>
+                      <a:round/>
+                      <a:headEnd type="none" w="med" len="med"/>
+                      <a:tailEnd type="none" w="med" len="med"/>
+                    </a:lnT>
+                    <a:lnB w="12700" cap="flat" cmpd="sng" algn="ctr">
+                      <a:solidFill>
+                        <a:schemeClr val="tx1"/>
+                      </a:solidFill>
+                      <a:prstDash val="solid"/>
+                      <a:round/>
+                      <a:headEnd type="none" w="med" len="med"/>
+                      <a:tailEnd type="none" w="med" len="med"/>
+                    </a:lnB>
+                    <a:solidFill>
+                      <a:srgbClr val="FF9999"/>
+                    </a:solidFill>
+                  </a:tcPr>
+                </a:tc>
+                <a:extLst>
+                  <a:ext uri="{0D108BD9-81ED-4DB2-BD59-A6C34878D82A}">
+                    <a16:rowId xmlns:a16="http://schemas.microsoft.com/office/drawing/2014/main" val="855850245"/>
+                  </a:ext>
+                </a:extLst>
+              </a:tr>
+              <a:tr h="585065">
+                <a:tc>
+                  <a:txBody>
+                    <a:bodyPr/>
+                    <a:lstStyle/>
+                    <a:p>
+                      <a:pPr marL="0" marR="0" lvl="0" indent="0" algn="ctr" defTabSz="914400" rtl="0" eaLnBrk="1" fontAlgn="auto" latinLnBrk="0" hangingPunct="1">
+                        <a:lnSpc>
+                          <a:spcPct val="100000"/>
+                        </a:lnSpc>
+                        <a:spcBef>
+                          <a:spcPts val="0"/>
+                        </a:spcBef>
+                        <a:spcAft>
+                          <a:spcPts val="0"/>
+                        </a:spcAft>
+                        <a:buClrTx/>
+                        <a:buSzTx/>
+                        <a:buFontTx/>
+                        <a:buNone/>
+                        <a:tabLst/>
+                        <a:defRPr/>
+                      </a:pPr>
+                      <a:r>
+                        <a:rPr lang="sr-Latn-RS" dirty="0" smtClean="0"/>
+                        <a:t>mrežni sloj</a:t>
+                      </a:r>
+                    </a:p>
+                    <a:p>
+                      <a:pPr marL="0" marR="0" lvl="0" indent="0" algn="ctr" defTabSz="914400" rtl="0" eaLnBrk="1" fontAlgn="auto" latinLnBrk="0" hangingPunct="1">
+                        <a:lnSpc>
+                          <a:spcPct val="100000"/>
+                        </a:lnSpc>
+                        <a:spcBef>
+                          <a:spcPts val="0"/>
+                        </a:spcBef>
+                        <a:spcAft>
+                          <a:spcPts val="0"/>
+                        </a:spcAft>
+                        <a:buClrTx/>
+                        <a:buSzTx/>
+                        <a:buFontTx/>
+                        <a:buNone/>
+                        <a:tabLst/>
+                        <a:defRPr/>
+                      </a:pPr>
+                      <a:r>
+                        <a:rPr kumimoji="0" lang="sr-Latn-RS" sz="1000" b="0" i="0" u="none" strike="noStrike" kern="1200" cap="none" spc="0" normalizeH="0" baseline="0" noProof="0" dirty="0" smtClean="0">
+                          <a:ln>
+                            <a:noFill/>
+                          </a:ln>
+                          <a:solidFill>
+                            <a:srgbClr val="000000"/>
+                          </a:solidFill>
+                          <a:effectLst/>
+                          <a:uLnTx/>
+                          <a:uFillTx/>
+                          <a:latin typeface="+mn-lt"/>
+                          <a:ea typeface="+mn-ea"/>
+                          <a:cs typeface="+mn-cs"/>
+                        </a:rPr>
+                        <a:t>(logičko adresiranje i </a:t>
+                      </a:r>
+                      <a:r>
+                        <a:rPr kumimoji="0" lang="sr-Latn-RS" sz="1000" b="0" i="0" u="none" strike="noStrike" kern="1200" cap="none" spc="0" normalizeH="0" baseline="0" noProof="0" dirty="0" err="1" smtClean="0">
+                          <a:ln>
+                            <a:noFill/>
+                          </a:ln>
+                          <a:solidFill>
+                            <a:srgbClr val="000000"/>
+                          </a:solidFill>
+                          <a:effectLst/>
+                          <a:uLnTx/>
+                          <a:uFillTx/>
+                          <a:latin typeface="+mn-lt"/>
+                          <a:ea typeface="+mn-ea"/>
+                          <a:cs typeface="+mn-cs"/>
+                        </a:rPr>
+                        <a:t>rutiranje</a:t>
+                      </a:r>
+                      <a:r>
+                        <a:rPr kumimoji="0" lang="sr-Latn-RS" sz="1000" b="0" i="0" u="none" strike="noStrike" kern="1200" cap="none" spc="0" normalizeH="0" baseline="0" noProof="0" dirty="0" smtClean="0">
+                          <a:ln>
+                            <a:noFill/>
+                          </a:ln>
+                          <a:solidFill>
+                            <a:srgbClr val="000000"/>
+                          </a:solidFill>
+                          <a:effectLst/>
+                          <a:uLnTx/>
+                          <a:uFillTx/>
+                          <a:latin typeface="+mn-lt"/>
+                          <a:ea typeface="+mn-ea"/>
+                          <a:cs typeface="+mn-cs"/>
+                        </a:rPr>
+                        <a:t>)</a:t>
+                      </a:r>
+                      <a:endParaRPr kumimoji="0" lang="en-US" sz="1000" b="0" i="0" u="none" strike="noStrike" kern="1200" cap="none" spc="0" normalizeH="0" baseline="0" noProof="0" dirty="0" smtClean="0">
+                        <a:ln>
+                          <a:noFill/>
+                        </a:ln>
+                        <a:solidFill>
+                          <a:srgbClr val="000000"/>
+                        </a:solidFill>
+                        <a:effectLst/>
+                        <a:uLnTx/>
+                        <a:uFillTx/>
+                        <a:latin typeface="+mn-lt"/>
+                        <a:ea typeface="+mn-ea"/>
+                        <a:cs typeface="+mn-cs"/>
+                      </a:endParaRPr>
+                    </a:p>
+                  </a:txBody>
+                  <a:tcPr anchor="ctr">
+                    <a:lnL w="12700" cap="flat" cmpd="sng" algn="ctr">
+                      <a:solidFill>
+                        <a:schemeClr val="tx1"/>
+                      </a:solidFill>
+                      <a:prstDash val="solid"/>
+                      <a:round/>
+                      <a:headEnd type="none" w="med" len="med"/>
+                      <a:tailEnd type="none" w="med" len="med"/>
+                    </a:lnL>
+                    <a:lnR w="12700" cap="flat" cmpd="sng" algn="ctr">
+                      <a:solidFill>
+                        <a:schemeClr val="tx1"/>
+                      </a:solidFill>
+                      <a:prstDash val="solid"/>
+                      <a:round/>
+                      <a:headEnd type="none" w="med" len="med"/>
+                      <a:tailEnd type="none" w="med" len="med"/>
+                    </a:lnR>
+                    <a:lnT w="12700" cap="flat" cmpd="sng" algn="ctr">
+                      <a:solidFill>
+                        <a:schemeClr val="tx1"/>
+                      </a:solidFill>
+                      <a:prstDash val="solid"/>
+                      <a:round/>
+                      <a:headEnd type="none" w="med" len="med"/>
+                      <a:tailEnd type="none" w="med" len="med"/>
+                    </a:lnT>
+                    <a:lnB w="12700" cap="flat" cmpd="sng" algn="ctr">
+                      <a:solidFill>
+                        <a:schemeClr val="tx1"/>
+                      </a:solidFill>
+                      <a:prstDash val="solid"/>
+                      <a:round/>
+                      <a:headEnd type="none" w="med" len="med"/>
+                      <a:tailEnd type="none" w="med" len="med"/>
+                    </a:lnB>
+                    <a:solidFill>
+                      <a:srgbClr val="FFFFCC"/>
+                    </a:solidFill>
+                  </a:tcPr>
+                </a:tc>
+                <a:tc>
+                  <a:txBody>
+                    <a:bodyPr/>
+                    <a:lstStyle/>
+                    <a:p>
+                      <a:pPr algn="ctr"/>
+                      <a:r>
+                        <a:rPr lang="sr-Latn-RS" dirty="0" err="1" smtClean="0"/>
+                        <a:t>međumrežni</a:t>
+                      </a:r>
+                      <a:r>
+                        <a:rPr lang="sr-Latn-RS" baseline="0" dirty="0" smtClean="0"/>
+                        <a:t> sloj</a:t>
+                      </a:r>
+                      <a:endParaRPr lang="en-US" dirty="0"/>
+                    </a:p>
+                  </a:txBody>
+                  <a:tcPr anchor="ctr">
+                    <a:lnL w="12700" cap="flat" cmpd="sng" algn="ctr">
+                      <a:solidFill>
+                        <a:schemeClr val="tx1"/>
+                      </a:solidFill>
+                      <a:prstDash val="solid"/>
+                      <a:round/>
+                      <a:headEnd type="none" w="med" len="med"/>
+                      <a:tailEnd type="none" w="med" len="med"/>
+                    </a:lnL>
+                    <a:lnR w="12700" cap="flat" cmpd="sng" algn="ctr">
+                      <a:solidFill>
+                        <a:schemeClr val="tx1"/>
+                      </a:solidFill>
+                      <a:prstDash val="solid"/>
+                      <a:round/>
+                      <a:headEnd type="none" w="med" len="med"/>
+                      <a:tailEnd type="none" w="med" len="med"/>
+                    </a:lnR>
+                    <a:lnT w="12700" cap="flat" cmpd="sng" algn="ctr">
+                      <a:solidFill>
+                        <a:schemeClr val="tx1"/>
+                      </a:solidFill>
+                      <a:prstDash val="solid"/>
+                      <a:round/>
+                      <a:headEnd type="none" w="med" len="med"/>
+                      <a:tailEnd type="none" w="med" len="med"/>
+                    </a:lnT>
+                    <a:lnB w="12700" cap="flat" cmpd="sng" algn="ctr">
+                      <a:solidFill>
+                        <a:schemeClr val="tx1"/>
+                      </a:solidFill>
+                      <a:prstDash val="solid"/>
+                      <a:round/>
+                      <a:headEnd type="none" w="med" len="med"/>
+                      <a:tailEnd type="none" w="med" len="med"/>
+                    </a:lnB>
+                    <a:solidFill>
+                      <a:srgbClr val="FFFFCC"/>
+                    </a:solidFill>
+                  </a:tcPr>
+                </a:tc>
+                <a:tc>
+                  <a:txBody>
+                    <a:bodyPr/>
+                    <a:lstStyle/>
+                    <a:p>
+                      <a:pPr algn="ctr"/>
+                      <a:r>
+                        <a:rPr lang="sr-Latn-RS" sz="1050" dirty="0" smtClean="0"/>
+                        <a:t>paket</a:t>
+                      </a:r>
+                      <a:endParaRPr lang="en-US" sz="1050" dirty="0"/>
+                    </a:p>
+                  </a:txBody>
+                  <a:tcPr anchor="ctr">
+                    <a:lnL w="12700" cap="flat" cmpd="sng" algn="ctr">
+                      <a:solidFill>
+                        <a:schemeClr val="tx1"/>
+                      </a:solidFill>
+                      <a:prstDash val="solid"/>
+                      <a:round/>
+                      <a:headEnd type="none" w="med" len="med"/>
+                      <a:tailEnd type="none" w="med" len="med"/>
+                    </a:lnL>
+                    <a:lnR w="12700" cap="flat" cmpd="sng" algn="ctr">
+                      <a:solidFill>
+                        <a:schemeClr val="tx1"/>
+                      </a:solidFill>
+                      <a:prstDash val="solid"/>
+                      <a:round/>
+                      <a:headEnd type="none" w="med" len="med"/>
+                      <a:tailEnd type="none" w="med" len="med"/>
+                    </a:lnR>
+                    <a:lnT w="12700" cap="flat" cmpd="sng" algn="ctr">
+                      <a:solidFill>
+                        <a:schemeClr val="tx1"/>
+                      </a:solidFill>
+                      <a:prstDash val="solid"/>
+                      <a:round/>
+                      <a:headEnd type="none" w="med" len="med"/>
+                      <a:tailEnd type="none" w="med" len="med"/>
+                    </a:lnT>
+                    <a:lnB w="12700" cap="flat" cmpd="sng" algn="ctr">
+                      <a:solidFill>
+                        <a:schemeClr val="tx1"/>
+                      </a:solidFill>
+                      <a:prstDash val="solid"/>
+                      <a:round/>
+                      <a:headEnd type="none" w="med" len="med"/>
+                      <a:tailEnd type="none" w="med" len="med"/>
+                    </a:lnB>
+                    <a:solidFill>
+                      <a:srgbClr val="FFFFCC"/>
+                    </a:solidFill>
+                  </a:tcPr>
+                </a:tc>
+                <a:tc>
+                  <a:txBody>
+                    <a:bodyPr/>
+                    <a:lstStyle/>
+                    <a:p>
+                      <a:pPr algn="ctr"/>
+                      <a:r>
+                        <a:rPr lang="en-US" sz="1050" dirty="0" smtClean="0"/>
+                        <a:t>IP (IPv4, IPv6), ICMP, ARP, RARP</a:t>
+                      </a:r>
+                      <a:endParaRPr lang="en-US" sz="1050" dirty="0"/>
+                    </a:p>
+                  </a:txBody>
+                  <a:tcPr anchor="ctr">
+                    <a:lnL w="12700" cap="flat" cmpd="sng" algn="ctr">
+                      <a:solidFill>
+                        <a:schemeClr val="tx1"/>
+                      </a:solidFill>
+                      <a:prstDash val="solid"/>
+                      <a:round/>
+                      <a:headEnd type="none" w="med" len="med"/>
+                      <a:tailEnd type="none" w="med" len="med"/>
+                    </a:lnL>
+                    <a:lnR w="12700" cap="flat" cmpd="sng" algn="ctr">
+                      <a:solidFill>
+                        <a:schemeClr val="tx1"/>
+                      </a:solidFill>
+                      <a:prstDash val="solid"/>
+                      <a:round/>
+                      <a:headEnd type="none" w="med" len="med"/>
+                      <a:tailEnd type="none" w="med" len="med"/>
+                    </a:lnR>
+                    <a:lnT w="12700" cap="flat" cmpd="sng" algn="ctr">
+                      <a:solidFill>
+                        <a:schemeClr val="tx1"/>
+                      </a:solidFill>
+                      <a:prstDash val="solid"/>
+                      <a:round/>
+                      <a:headEnd type="none" w="med" len="med"/>
+                      <a:tailEnd type="none" w="med" len="med"/>
+                    </a:lnT>
+                    <a:lnB w="12700" cap="flat" cmpd="sng" algn="ctr">
+                      <a:solidFill>
+                        <a:schemeClr val="tx1"/>
+                      </a:solidFill>
+                      <a:prstDash val="solid"/>
+                      <a:round/>
+                      <a:headEnd type="none" w="med" len="med"/>
+                      <a:tailEnd type="none" w="med" len="med"/>
+                    </a:lnB>
+                    <a:solidFill>
+                      <a:srgbClr val="FFFFCC"/>
+                    </a:solidFill>
+                  </a:tcPr>
+                </a:tc>
+                <a:extLst>
+                  <a:ext uri="{0D108BD9-81ED-4DB2-BD59-A6C34878D82A}">
+                    <a16:rowId xmlns:a16="http://schemas.microsoft.com/office/drawing/2014/main" val="1942162707"/>
+                  </a:ext>
+                </a:extLst>
+              </a:tr>
+              <a:tr h="585065">
+                <a:tc>
+                  <a:txBody>
+                    <a:bodyPr/>
+                    <a:lstStyle/>
+                    <a:p>
+                      <a:pPr algn="ctr"/>
+                      <a:r>
+                        <a:rPr lang="sr-Latn-RS" dirty="0" smtClean="0"/>
+                        <a:t>sloj veze podataka</a:t>
+                      </a:r>
+                    </a:p>
+                    <a:p>
+                      <a:pPr algn="ctr"/>
+                      <a:r>
+                        <a:rPr lang="sr-Latn-RS" sz="1000" dirty="0" smtClean="0"/>
+                        <a:t>(fizičko adresiranje, pristup medijumu)</a:t>
+                      </a:r>
+                      <a:endParaRPr lang="en-US" sz="1000" dirty="0"/>
+                    </a:p>
+                  </a:txBody>
+                  <a:tcPr anchor="ctr">
+                    <a:lnL w="12700" cap="flat" cmpd="sng" algn="ctr">
+                      <a:solidFill>
+                        <a:schemeClr val="tx1"/>
+                      </a:solidFill>
+                      <a:prstDash val="solid"/>
+                      <a:round/>
+                      <a:headEnd type="none" w="med" len="med"/>
+                      <a:tailEnd type="none" w="med" len="med"/>
+                    </a:lnL>
+                    <a:lnR w="12700" cap="flat" cmpd="sng" algn="ctr">
+                      <a:solidFill>
+                        <a:schemeClr val="tx1"/>
+                      </a:solidFill>
+                      <a:prstDash val="solid"/>
+                      <a:round/>
+                      <a:headEnd type="none" w="med" len="med"/>
+                      <a:tailEnd type="none" w="med" len="med"/>
+                    </a:lnR>
+                    <a:lnT w="12700" cap="flat" cmpd="sng" algn="ctr">
+                      <a:solidFill>
+                        <a:schemeClr val="tx1"/>
+                      </a:solidFill>
+                      <a:prstDash val="solid"/>
+                      <a:round/>
+                      <a:headEnd type="none" w="med" len="med"/>
+                      <a:tailEnd type="none" w="med" len="med"/>
+                    </a:lnT>
+                    <a:lnB w="12700" cap="flat" cmpd="sng" algn="ctr">
+                      <a:solidFill>
+                        <a:schemeClr val="tx1"/>
+                      </a:solidFill>
+                      <a:prstDash val="solid"/>
+                      <a:round/>
+                      <a:headEnd type="none" w="med" len="med"/>
+                      <a:tailEnd type="none" w="med" len="med"/>
+                    </a:lnB>
+                    <a:solidFill>
+                      <a:srgbClr val="FFCC66"/>
+                    </a:solidFill>
+                  </a:tcPr>
+                </a:tc>
+                <a:tc rowSpan="2">
+                  <a:txBody>
+                    <a:bodyPr/>
+                    <a:lstStyle/>
+                    <a:p>
+                      <a:pPr algn="ctr"/>
+                      <a:r>
+                        <a:rPr lang="sr-Latn-RS" dirty="0" smtClean="0"/>
+                        <a:t>sloj pristupa mreži</a:t>
+                      </a:r>
+                      <a:endParaRPr lang="en-US" dirty="0"/>
+                    </a:p>
+                  </a:txBody>
+                  <a:tcPr anchor="ctr">
+                    <a:lnL w="12700" cap="flat" cmpd="sng" algn="ctr">
+                      <a:solidFill>
+                        <a:schemeClr val="tx1"/>
+                      </a:solidFill>
+                      <a:prstDash val="solid"/>
+                      <a:round/>
+                      <a:headEnd type="none" w="med" len="med"/>
+                      <a:tailEnd type="none" w="med" len="med"/>
+                    </a:lnL>
+                    <a:lnR w="12700" cap="flat" cmpd="sng" algn="ctr">
+                      <a:solidFill>
+                        <a:schemeClr val="tx1"/>
+                      </a:solidFill>
+                      <a:prstDash val="solid"/>
+                      <a:round/>
+                      <a:headEnd type="none" w="med" len="med"/>
+                      <a:tailEnd type="none" w="med" len="med"/>
+                    </a:lnR>
+                    <a:lnT w="12700" cap="flat" cmpd="sng" algn="ctr">
+                      <a:solidFill>
+                        <a:schemeClr val="tx1"/>
+                      </a:solidFill>
+                      <a:prstDash val="solid"/>
+                      <a:round/>
+                      <a:headEnd type="none" w="med" len="med"/>
+                      <a:tailEnd type="none" w="med" len="med"/>
+                    </a:lnT>
+                    <a:lnB w="12700" cap="flat" cmpd="sng" algn="ctr">
+                      <a:solidFill>
+                        <a:schemeClr val="tx1"/>
+                      </a:solidFill>
+                      <a:prstDash val="solid"/>
+                      <a:round/>
+                      <a:headEnd type="none" w="med" len="med"/>
+                      <a:tailEnd type="none" w="med" len="med"/>
+                    </a:lnB>
+                    <a:solidFill>
+                      <a:srgbClr val="FFCC66"/>
+                    </a:solidFill>
+                  </a:tcPr>
+                </a:tc>
+                <a:tc>
+                  <a:txBody>
+                    <a:bodyPr/>
+                    <a:lstStyle/>
+                    <a:p>
+                      <a:pPr algn="ctr"/>
+                      <a:r>
+                        <a:rPr lang="sr-Latn-RS" sz="1050" dirty="0" smtClean="0"/>
+                        <a:t>okvir</a:t>
+                      </a:r>
+                      <a:endParaRPr lang="en-US" sz="1050" dirty="0"/>
+                    </a:p>
+                  </a:txBody>
+                  <a:tcPr anchor="ctr">
+                    <a:lnL w="12700" cap="flat" cmpd="sng" algn="ctr">
+                      <a:solidFill>
+                        <a:schemeClr val="tx1"/>
+                      </a:solidFill>
+                      <a:prstDash val="solid"/>
+                      <a:round/>
+                      <a:headEnd type="none" w="med" len="med"/>
+                      <a:tailEnd type="none" w="med" len="med"/>
+                    </a:lnL>
+                    <a:lnR w="12700" cap="flat" cmpd="sng" algn="ctr">
+                      <a:solidFill>
+                        <a:schemeClr val="tx1"/>
+                      </a:solidFill>
+                      <a:prstDash val="solid"/>
+                      <a:round/>
+                      <a:headEnd type="none" w="med" len="med"/>
+                      <a:tailEnd type="none" w="med" len="med"/>
+                    </a:lnR>
+                    <a:lnT w="12700" cap="flat" cmpd="sng" algn="ctr">
+                      <a:solidFill>
+                        <a:schemeClr val="tx1"/>
+                      </a:solidFill>
+                      <a:prstDash val="solid"/>
+                      <a:round/>
+                      <a:headEnd type="none" w="med" len="med"/>
+                      <a:tailEnd type="none" w="med" len="med"/>
+                    </a:lnT>
+                    <a:lnB w="12700" cap="flat" cmpd="sng" algn="ctr">
+                      <a:solidFill>
+                        <a:schemeClr val="tx1"/>
+                      </a:solidFill>
+                      <a:prstDash val="solid"/>
+                      <a:round/>
+                      <a:headEnd type="none" w="med" len="med"/>
+                      <a:tailEnd type="none" w="med" len="med"/>
+                    </a:lnB>
+                    <a:solidFill>
+                      <a:srgbClr val="FFC000"/>
+                    </a:solidFill>
+                  </a:tcPr>
+                </a:tc>
+                <a:tc>
+                  <a:txBody>
+                    <a:bodyPr/>
+                    <a:lstStyle/>
+                    <a:p>
+                      <a:pPr algn="ctr"/>
+                      <a:r>
+                        <a:rPr lang="en-US" sz="1050" dirty="0" smtClean="0"/>
+                        <a:t>PPP, HDLC, Frame Relay </a:t>
+                      </a:r>
+                      <a:endParaRPr lang="en-US" sz="1050" dirty="0"/>
+                    </a:p>
+                  </a:txBody>
+                  <a:tcPr anchor="ctr">
+                    <a:lnL w="12700" cap="flat" cmpd="sng" algn="ctr">
+                      <a:solidFill>
+                        <a:schemeClr val="tx1"/>
+                      </a:solidFill>
+                      <a:prstDash val="solid"/>
+                      <a:round/>
+                      <a:headEnd type="none" w="med" len="med"/>
+                      <a:tailEnd type="none" w="med" len="med"/>
+                    </a:lnL>
+                    <a:lnR w="12700" cap="flat" cmpd="sng" algn="ctr">
+                      <a:solidFill>
+                        <a:schemeClr val="tx1"/>
+                      </a:solidFill>
+                      <a:prstDash val="solid"/>
+                      <a:round/>
+                      <a:headEnd type="none" w="med" len="med"/>
+                      <a:tailEnd type="none" w="med" len="med"/>
+                    </a:lnR>
+                    <a:lnT w="12700" cap="flat" cmpd="sng" algn="ctr">
+                      <a:solidFill>
+                        <a:schemeClr val="tx1"/>
+                      </a:solidFill>
+                      <a:prstDash val="solid"/>
+                      <a:round/>
+                      <a:headEnd type="none" w="med" len="med"/>
+                      <a:tailEnd type="none" w="med" len="med"/>
+                    </a:lnT>
+                    <a:lnB w="12700" cap="flat" cmpd="sng" algn="ctr">
+                      <a:solidFill>
+                        <a:schemeClr val="tx1"/>
+                      </a:solidFill>
+                      <a:prstDash val="solid"/>
+                      <a:round/>
+                      <a:headEnd type="none" w="med" len="med"/>
+                      <a:tailEnd type="none" w="med" len="med"/>
+                    </a:lnB>
+                    <a:solidFill>
+                      <a:srgbClr val="FFC000"/>
+                    </a:solidFill>
+                  </a:tcPr>
+                </a:tc>
+                <a:extLst>
+                  <a:ext uri="{0D108BD9-81ED-4DB2-BD59-A6C34878D82A}">
+                    <a16:rowId xmlns:a16="http://schemas.microsoft.com/office/drawing/2014/main" val="1910497752"/>
+                  </a:ext>
+                </a:extLst>
+              </a:tr>
+              <a:tr h="585065">
+                <a:tc>
+                  <a:txBody>
+                    <a:bodyPr/>
+                    <a:lstStyle/>
+                    <a:p>
+                      <a:pPr algn="ctr"/>
+                      <a:r>
+                        <a:rPr lang="sr-Latn-RS" dirty="0" smtClean="0"/>
+                        <a:t>fizički sloj</a:t>
+                      </a:r>
+                    </a:p>
+                    <a:p>
+                      <a:pPr algn="ctr"/>
+                      <a:r>
+                        <a:rPr lang="sr-Latn-RS" sz="1000" dirty="0" smtClean="0"/>
+                        <a:t>(prenos</a:t>
+                      </a:r>
+                      <a:r>
+                        <a:rPr lang="sr-Latn-RS" sz="1000" baseline="0" dirty="0" smtClean="0"/>
+                        <a:t> signala)</a:t>
+                      </a:r>
+                      <a:endParaRPr lang="en-US" sz="1000" dirty="0"/>
+                    </a:p>
+                  </a:txBody>
+                  <a:tcPr anchor="ctr">
+                    <a:lnL w="12700" cap="flat" cmpd="sng" algn="ctr">
+                      <a:solidFill>
+                        <a:schemeClr val="tx1"/>
+                      </a:solidFill>
+                      <a:prstDash val="solid"/>
+                      <a:round/>
+                      <a:headEnd type="none" w="med" len="med"/>
+                      <a:tailEnd type="none" w="med" len="med"/>
+                    </a:lnL>
+                    <a:lnR w="12700" cap="flat" cmpd="sng" algn="ctr">
+                      <a:solidFill>
+                        <a:schemeClr val="tx1"/>
+                      </a:solidFill>
+                      <a:prstDash val="solid"/>
+                      <a:round/>
+                      <a:headEnd type="none" w="med" len="med"/>
+                      <a:tailEnd type="none" w="med" len="med"/>
+                    </a:lnR>
+                    <a:lnT w="12700" cap="flat" cmpd="sng" algn="ctr">
+                      <a:solidFill>
+                        <a:schemeClr val="tx1"/>
+                      </a:solidFill>
+                      <a:prstDash val="solid"/>
+                      <a:round/>
+                      <a:headEnd type="none" w="med" len="med"/>
+                      <a:tailEnd type="none" w="med" len="med"/>
+                    </a:lnT>
+                    <a:lnB w="12700" cap="flat" cmpd="sng" algn="ctr">
+                      <a:solidFill>
+                        <a:schemeClr val="tx1"/>
+                      </a:solidFill>
+                      <a:prstDash val="solid"/>
+                      <a:round/>
+                      <a:headEnd type="none" w="med" len="med"/>
+                      <a:tailEnd type="none" w="med" len="med"/>
+                    </a:lnB>
+                    <a:solidFill>
+                      <a:srgbClr val="FFFF00"/>
+                    </a:solidFill>
+                  </a:tcPr>
+                </a:tc>
+                <a:tc vMerge="1">
+                  <a:txBody>
+                    <a:bodyPr/>
+                    <a:lstStyle/>
+                    <a:p>
+                      <a:endParaRPr lang="en-US" dirty="0"/>
+                    </a:p>
+                  </a:txBody>
+                  <a:tcPr/>
+                </a:tc>
+                <a:tc>
+                  <a:txBody>
+                    <a:bodyPr/>
+                    <a:lstStyle/>
+                    <a:p>
+                      <a:pPr algn="ctr"/>
+                      <a:r>
+                        <a:rPr lang="sr-Latn-RS" sz="1050" dirty="0" smtClean="0"/>
+                        <a:t>bit</a:t>
+                      </a:r>
+                      <a:endParaRPr lang="en-US" sz="1050" dirty="0"/>
+                    </a:p>
+                  </a:txBody>
+                  <a:tcPr anchor="ctr">
+                    <a:lnL w="12700" cap="flat" cmpd="sng" algn="ctr">
+                      <a:solidFill>
+                        <a:schemeClr val="tx1"/>
+                      </a:solidFill>
+                      <a:prstDash val="solid"/>
+                      <a:round/>
+                      <a:headEnd type="none" w="med" len="med"/>
+                      <a:tailEnd type="none" w="med" len="med"/>
+                    </a:lnL>
+                    <a:lnR w="12700" cap="flat" cmpd="sng" algn="ctr">
+                      <a:solidFill>
+                        <a:schemeClr val="tx1"/>
+                      </a:solidFill>
+                      <a:prstDash val="solid"/>
+                      <a:round/>
+                      <a:headEnd type="none" w="med" len="med"/>
+                      <a:tailEnd type="none" w="med" len="med"/>
+                    </a:lnR>
+                    <a:lnT w="12700" cap="flat" cmpd="sng" algn="ctr">
+                      <a:solidFill>
+                        <a:schemeClr val="tx1"/>
+                      </a:solidFill>
+                      <a:prstDash val="solid"/>
+                      <a:round/>
+                      <a:headEnd type="none" w="med" len="med"/>
+                      <a:tailEnd type="none" w="med" len="med"/>
+                    </a:lnT>
+                    <a:lnB w="12700" cap="flat" cmpd="sng" algn="ctr">
+                      <a:solidFill>
+                        <a:schemeClr val="tx1"/>
+                      </a:solidFill>
+                      <a:prstDash val="solid"/>
+                      <a:round/>
+                      <a:headEnd type="none" w="med" len="med"/>
+                      <a:tailEnd type="none" w="med" len="med"/>
+                    </a:lnB>
+                    <a:solidFill>
+                      <a:srgbClr val="FFFF00"/>
+                    </a:solidFill>
+                  </a:tcPr>
+                </a:tc>
+                <a:tc>
+                  <a:txBody>
+                    <a:bodyPr/>
+                    <a:lstStyle/>
+                    <a:p>
+                      <a:pPr algn="ctr"/>
+                      <a:r>
+                        <a:rPr lang="en-US" sz="1050" dirty="0" smtClean="0"/>
+                        <a:t>Token Ring, RS-232, T1, E1, POTS, OTN, DSL, </a:t>
+                      </a:r>
+                      <a:endParaRPr lang="sr-Latn-RS" sz="1050" dirty="0" smtClean="0"/>
+                    </a:p>
+                    <a:p>
+                      <a:pPr algn="ctr"/>
+                      <a:r>
+                        <a:rPr lang="en-US" sz="1050" dirty="0" smtClean="0"/>
+                        <a:t>802.11a/b/g/n PHY, </a:t>
+                      </a:r>
+                      <a:endParaRPr lang="sr-Latn-RS" sz="1050" dirty="0" smtClean="0"/>
+                    </a:p>
+                    <a:p>
+                      <a:pPr algn="ctr"/>
+                      <a:r>
+                        <a:rPr lang="en-US" sz="1050" dirty="0" smtClean="0"/>
+                        <a:t>802.15.x PHY, Ethernet, USB, Bluetooth, </a:t>
+                      </a:r>
+                      <a:r>
+                        <a:rPr lang="en-US" sz="1050" dirty="0" err="1" smtClean="0"/>
+                        <a:t>Firewire</a:t>
+                      </a:r>
+                      <a:r>
+                        <a:rPr lang="en-US" sz="1050" dirty="0" smtClean="0"/>
+                        <a:t> (IEEE 1394)</a:t>
+                      </a:r>
+                      <a:endParaRPr lang="en-US" sz="1050" dirty="0"/>
+                    </a:p>
+                  </a:txBody>
+                  <a:tcPr anchor="ctr">
+                    <a:lnL w="12700" cap="flat" cmpd="sng" algn="ctr">
+                      <a:solidFill>
+                        <a:schemeClr val="tx1"/>
+                      </a:solidFill>
+                      <a:prstDash val="solid"/>
+                      <a:round/>
+                      <a:headEnd type="none" w="med" len="med"/>
+                      <a:tailEnd type="none" w="med" len="med"/>
+                    </a:lnL>
+                    <a:lnR w="12700" cap="flat" cmpd="sng" algn="ctr">
+                      <a:solidFill>
+                        <a:schemeClr val="tx1"/>
+                      </a:solidFill>
+                      <a:prstDash val="solid"/>
+                      <a:round/>
+                      <a:headEnd type="none" w="med" len="med"/>
+                      <a:tailEnd type="none" w="med" len="med"/>
+                    </a:lnR>
+                    <a:lnT w="12700" cap="flat" cmpd="sng" algn="ctr">
+                      <a:solidFill>
+                        <a:schemeClr val="tx1"/>
+                      </a:solidFill>
+                      <a:prstDash val="solid"/>
+                      <a:round/>
+                      <a:headEnd type="none" w="med" len="med"/>
+                      <a:tailEnd type="none" w="med" len="med"/>
+                    </a:lnT>
+                    <a:lnB w="12700" cap="flat" cmpd="sng" algn="ctr">
+                      <a:solidFill>
+                        <a:schemeClr val="tx1"/>
+                      </a:solidFill>
+                      <a:prstDash val="solid"/>
+                      <a:round/>
+                      <a:headEnd type="none" w="med" len="med"/>
+                      <a:tailEnd type="none" w="med" len="med"/>
+                    </a:lnB>
+                    <a:solidFill>
+                      <a:srgbClr val="FFFF00"/>
+                    </a:solidFill>
+                  </a:tcPr>
+                </a:tc>
+                <a:extLst>
+                  <a:ext uri="{0D108BD9-81ED-4DB2-BD59-A6C34878D82A}">
+                    <a16:rowId xmlns:a16="http://schemas.microsoft.com/office/drawing/2014/main" val="6561445"/>
+                  </a:ext>
+                </a:extLst>
+              </a:tr>
+            </a:tbl>
+          </a:graphicData>
+        </a:graphic>
+      </p:graphicFrame>
     </p:spTree>
     <p:extLst>
       <p:ext uri="{BB962C8B-B14F-4D97-AF65-F5344CB8AC3E}">
